--- a/Project 1 Presentation.pptx
+++ b/Project 1 Presentation.pptx
@@ -110,7 +110,207 @@
       </a:defRPr>
     </a:lvl9pPr>
   </p:defaultTextStyle>
+  <p:extLst>
+    <p:ext uri="{EFAFB233-063F-42B5-8137-9DF3F51BA10A}">
+      <p15:sldGuideLst xmlns:p15="http://schemas.microsoft.com/office/powerpoint/2012/main"/>
+    </p:ext>
+  </p:extLst>
 </p:presentation>
+</file>
+
+<file path=ppt/revisionInfo.xml><?xml version="1.0" encoding="utf-8"?>
+<p1510:revInfo xmlns:a="http://schemas.openxmlformats.org/drawingml/2006/main" xmlns:r="http://schemas.openxmlformats.org/officeDocument/2006/relationships" xmlns:p1510="http://schemas.microsoft.com/office/powerpoint/2015/10/main">
+  <p1510:revLst>
+    <p1510:client id="{29E56149-E9C9-4EDF-A6D3-627DB2CED916}" v="40" dt="2023-08-15T00:53:09.149"/>
+  </p1510:revLst>
+</p1510:revInfo>
+</file>
+
+<file path=ppt/changesInfos/changesInfo1.xml><?xml version="1.0" encoding="utf-8"?>
+<pc:chgInfo xmlns:a="http://schemas.openxmlformats.org/drawingml/2006/main" xmlns:r="http://schemas.openxmlformats.org/officeDocument/2006/relationships" xmlns:ac="http://schemas.microsoft.com/office/drawing/2013/main/command" xmlns:pc="http://schemas.microsoft.com/office/powerpoint/2013/main/command">
+  <pc:docChgLst>
+    <pc:chgData name="d sheets" userId="d7c3ab8f2cf62090" providerId="LiveId" clId="{29E56149-E9C9-4EDF-A6D3-627DB2CED916}"/>
+    <pc:docChg chg="custSel modSld">
+      <pc:chgData name="d sheets" userId="d7c3ab8f2cf62090" providerId="LiveId" clId="{29E56149-E9C9-4EDF-A6D3-627DB2CED916}" dt="2023-08-15T01:01:21.506" v="335"/>
+      <pc:docMkLst>
+        <pc:docMk/>
+      </pc:docMkLst>
+      <pc:sldChg chg="addSp delSp modSp mod">
+        <pc:chgData name="d sheets" userId="d7c3ab8f2cf62090" providerId="LiveId" clId="{29E56149-E9C9-4EDF-A6D3-627DB2CED916}" dt="2023-08-15T00:44:12.982" v="191" actId="478"/>
+        <pc:sldMkLst>
+          <pc:docMk/>
+          <pc:sldMk cId="2659998139" sldId="259"/>
+        </pc:sldMkLst>
+        <pc:spChg chg="mod">
+          <ac:chgData name="d sheets" userId="d7c3ab8f2cf62090" providerId="LiveId" clId="{29E56149-E9C9-4EDF-A6D3-627DB2CED916}" dt="2023-08-15T00:39:53.528" v="35" actId="14100"/>
+          <ac:spMkLst>
+            <pc:docMk/>
+            <pc:sldMk cId="2659998139" sldId="259"/>
+            <ac:spMk id="2" creationId="{01535C85-D7C1-FF3D-AD1E-338310F4B040}"/>
+          </ac:spMkLst>
+        </pc:spChg>
+        <pc:spChg chg="del">
+          <ac:chgData name="d sheets" userId="d7c3ab8f2cf62090" providerId="LiveId" clId="{29E56149-E9C9-4EDF-A6D3-627DB2CED916}" dt="2023-08-15T00:40:35.619" v="36"/>
+          <ac:spMkLst>
+            <pc:docMk/>
+            <pc:sldMk cId="2659998139" sldId="259"/>
+            <ac:spMk id="3" creationId="{ADC1469D-31D3-1AC6-B0E4-FD50B2968F2A}"/>
+          </ac:spMkLst>
+        </pc:spChg>
+        <pc:spChg chg="del">
+          <ac:chgData name="d sheets" userId="d7c3ab8f2cf62090" providerId="LiveId" clId="{29E56149-E9C9-4EDF-A6D3-627DB2CED916}" dt="2023-08-15T00:41:18.492" v="43"/>
+          <ac:spMkLst>
+            <pc:docMk/>
+            <pc:sldMk cId="2659998139" sldId="259"/>
+            <ac:spMk id="4" creationId="{253F2DC8-12DC-67C4-F561-4F52F060D236}"/>
+          </ac:spMkLst>
+        </pc:spChg>
+        <pc:spChg chg="add mod">
+          <ac:chgData name="d sheets" userId="d7c3ab8f2cf62090" providerId="LiveId" clId="{29E56149-E9C9-4EDF-A6D3-627DB2CED916}" dt="2023-08-15T00:44:02.714" v="189" actId="1076"/>
+          <ac:spMkLst>
+            <pc:docMk/>
+            <pc:sldMk cId="2659998139" sldId="259"/>
+            <ac:spMk id="5" creationId="{FB872B7C-540B-C42F-1853-04442CB07E46}"/>
+          </ac:spMkLst>
+        </pc:spChg>
+        <pc:spChg chg="add del">
+          <ac:chgData name="d sheets" userId="d7c3ab8f2cf62090" providerId="LiveId" clId="{29E56149-E9C9-4EDF-A6D3-627DB2CED916}" dt="2023-08-15T00:44:12.982" v="191" actId="478"/>
+          <ac:spMkLst>
+            <pc:docMk/>
+            <pc:sldMk cId="2659998139" sldId="259"/>
+            <ac:spMk id="6" creationId="{B716B455-AF86-ADAB-8CA5-4966B09EC8E3}"/>
+          </ac:spMkLst>
+        </pc:spChg>
+        <pc:spChg chg="add del mod">
+          <ac:chgData name="d sheets" userId="d7c3ab8f2cf62090" providerId="LiveId" clId="{29E56149-E9C9-4EDF-A6D3-627DB2CED916}" dt="2023-08-15T00:44:10.838" v="190" actId="478"/>
+          <ac:spMkLst>
+            <pc:docMk/>
+            <pc:sldMk cId="2659998139" sldId="259"/>
+            <ac:spMk id="7" creationId="{209AB622-493F-C46C-2F95-5EA23C88F489}"/>
+          </ac:spMkLst>
+        </pc:spChg>
+        <pc:picChg chg="add mod">
+          <ac:chgData name="d sheets" userId="d7c3ab8f2cf62090" providerId="LiveId" clId="{29E56149-E9C9-4EDF-A6D3-627DB2CED916}" dt="2023-08-15T00:41:45.581" v="53" actId="14100"/>
+          <ac:picMkLst>
+            <pc:docMk/>
+            <pc:sldMk cId="2659998139" sldId="259"/>
+            <ac:picMk id="1026" creationId="{6750A10C-16D8-D254-EF93-A2C989EC9CF7}"/>
+          </ac:picMkLst>
+        </pc:picChg>
+        <pc:picChg chg="add del">
+          <ac:chgData name="d sheets" userId="d7c3ab8f2cf62090" providerId="LiveId" clId="{29E56149-E9C9-4EDF-A6D3-627DB2CED916}" dt="2023-08-15T00:41:16.441" v="42"/>
+          <ac:picMkLst>
+            <pc:docMk/>
+            <pc:sldMk cId="2659998139" sldId="259"/>
+            <ac:picMk id="1028" creationId="{0CA1F4F8-BD76-7967-3C64-157D894097EA}"/>
+          </ac:picMkLst>
+        </pc:picChg>
+        <pc:picChg chg="add mod">
+          <ac:chgData name="d sheets" userId="d7c3ab8f2cf62090" providerId="LiveId" clId="{29E56149-E9C9-4EDF-A6D3-627DB2CED916}" dt="2023-08-15T00:41:40.555" v="51" actId="1076"/>
+          <ac:picMkLst>
+            <pc:docMk/>
+            <pc:sldMk cId="2659998139" sldId="259"/>
+            <ac:picMk id="1030" creationId="{69EA21AA-22C7-201F-F74C-CEDBAC88F117}"/>
+          </ac:picMkLst>
+        </pc:picChg>
+      </pc:sldChg>
+      <pc:sldChg chg="addSp delSp modSp mod">
+        <pc:chgData name="d sheets" userId="d7c3ab8f2cf62090" providerId="LiveId" clId="{29E56149-E9C9-4EDF-A6D3-627DB2CED916}" dt="2023-08-15T00:51:03.081" v="292" actId="14100"/>
+        <pc:sldMkLst>
+          <pc:docMk/>
+          <pc:sldMk cId="980951343" sldId="260"/>
+        </pc:sldMkLst>
+        <pc:spChg chg="mod">
+          <ac:chgData name="d sheets" userId="d7c3ab8f2cf62090" providerId="LiveId" clId="{29E56149-E9C9-4EDF-A6D3-627DB2CED916}" dt="2023-08-15T00:50:23.211" v="282" actId="20577"/>
+          <ac:spMkLst>
+            <pc:docMk/>
+            <pc:sldMk cId="980951343" sldId="260"/>
+            <ac:spMk id="2" creationId="{62DF79BD-BDA9-97EB-CD7D-A7106BF4B567}"/>
+          </ac:spMkLst>
+        </pc:spChg>
+        <pc:spChg chg="del">
+          <ac:chgData name="d sheets" userId="d7c3ab8f2cf62090" providerId="LiveId" clId="{29E56149-E9C9-4EDF-A6D3-627DB2CED916}" dt="2023-08-15T00:50:34.279" v="283"/>
+          <ac:spMkLst>
+            <pc:docMk/>
+            <pc:sldMk cId="980951343" sldId="260"/>
+            <ac:spMk id="3" creationId="{BE15B013-F9D8-BA5C-D901-0ABF48DCDB66}"/>
+          </ac:spMkLst>
+        </pc:spChg>
+        <pc:spChg chg="del">
+          <ac:chgData name="d sheets" userId="d7c3ab8f2cf62090" providerId="LiveId" clId="{29E56149-E9C9-4EDF-A6D3-627DB2CED916}" dt="2023-08-15T00:50:43.951" v="286"/>
+          <ac:spMkLst>
+            <pc:docMk/>
+            <pc:sldMk cId="980951343" sldId="260"/>
+            <ac:spMk id="4" creationId="{C0102E5A-F1DA-980C-A3B8-54348FD23F3B}"/>
+          </ac:spMkLst>
+        </pc:spChg>
+        <pc:picChg chg="add mod">
+          <ac:chgData name="d sheets" userId="d7c3ab8f2cf62090" providerId="LiveId" clId="{29E56149-E9C9-4EDF-A6D3-627DB2CED916}" dt="2023-08-15T00:51:03.081" v="292" actId="14100"/>
+          <ac:picMkLst>
+            <pc:docMk/>
+            <pc:sldMk cId="980951343" sldId="260"/>
+            <ac:picMk id="2050" creationId="{16481755-3753-8D1F-CEE1-09F62B87E41A}"/>
+          </ac:picMkLst>
+        </pc:picChg>
+        <pc:picChg chg="add del">
+          <ac:chgData name="d sheets" userId="d7c3ab8f2cf62090" providerId="LiveId" clId="{29E56149-E9C9-4EDF-A6D3-627DB2CED916}" dt="2023-08-15T00:50:42.475" v="285"/>
+          <ac:picMkLst>
+            <pc:docMk/>
+            <pc:sldMk cId="980951343" sldId="260"/>
+            <ac:picMk id="2052" creationId="{F30F3809-17BE-6DC2-7A24-354257270D3D}"/>
+          </ac:picMkLst>
+        </pc:picChg>
+        <pc:picChg chg="add mod">
+          <ac:chgData name="d sheets" userId="d7c3ab8f2cf62090" providerId="LiveId" clId="{29E56149-E9C9-4EDF-A6D3-627DB2CED916}" dt="2023-08-15T00:50:57.450" v="289" actId="1076"/>
+          <ac:picMkLst>
+            <pc:docMk/>
+            <pc:sldMk cId="980951343" sldId="260"/>
+            <ac:picMk id="2054" creationId="{5B9385A6-C752-1E3D-BFDA-843215FD24FA}"/>
+          </ac:picMkLst>
+        </pc:picChg>
+      </pc:sldChg>
+      <pc:sldChg chg="addSp delSp modSp mod">
+        <pc:chgData name="d sheets" userId="d7c3ab8f2cf62090" providerId="LiveId" clId="{29E56149-E9C9-4EDF-A6D3-627DB2CED916}" dt="2023-08-15T01:01:21.506" v="335"/>
+        <pc:sldMkLst>
+          <pc:docMk/>
+          <pc:sldMk cId="3652929767" sldId="261"/>
+        </pc:sldMkLst>
+        <pc:spChg chg="mod">
+          <ac:chgData name="d sheets" userId="d7c3ab8f2cf62090" providerId="LiveId" clId="{29E56149-E9C9-4EDF-A6D3-627DB2CED916}" dt="2023-08-15T01:01:21.506" v="335"/>
+          <ac:spMkLst>
+            <pc:docMk/>
+            <pc:sldMk cId="3652929767" sldId="261"/>
+            <ac:spMk id="2" creationId="{95CA3523-734F-D64E-5119-C5C1C8DC335D}"/>
+          </ac:spMkLst>
+        </pc:spChg>
+        <pc:spChg chg="del">
+          <ac:chgData name="d sheets" userId="d7c3ab8f2cf62090" providerId="LiveId" clId="{29E56149-E9C9-4EDF-A6D3-627DB2CED916}" dt="2023-08-15T00:52:41.903" v="293"/>
+          <ac:spMkLst>
+            <pc:docMk/>
+            <pc:sldMk cId="3652929767" sldId="261"/>
+            <ac:spMk id="3" creationId="{28729300-B143-56CB-CC05-68AFCA2670BF}"/>
+          </ac:spMkLst>
+        </pc:spChg>
+        <pc:spChg chg="del mod">
+          <ac:chgData name="d sheets" userId="d7c3ab8f2cf62090" providerId="LiveId" clId="{29E56149-E9C9-4EDF-A6D3-627DB2CED916}" dt="2023-08-15T00:58:38.566" v="302" actId="478"/>
+          <ac:spMkLst>
+            <pc:docMk/>
+            <pc:sldMk cId="3652929767" sldId="261"/>
+            <ac:spMk id="4" creationId="{DCD03F65-CD8E-41DF-561B-AEEE437C6BFB}"/>
+          </ac:spMkLst>
+        </pc:spChg>
+        <pc:picChg chg="add mod">
+          <ac:chgData name="d sheets" userId="d7c3ab8f2cf62090" providerId="LiveId" clId="{29E56149-E9C9-4EDF-A6D3-627DB2CED916}" dt="2023-08-15T00:53:09.148" v="301" actId="1076"/>
+          <ac:picMkLst>
+            <pc:docMk/>
+            <pc:sldMk cId="3652929767" sldId="261"/>
+            <ac:picMk id="3074" creationId="{8E863C53-4FD2-1B7A-166B-974A2C91F47A}"/>
+          </ac:picMkLst>
+        </pc:picChg>
+      </pc:sldChg>
+    </pc:docChg>
+  </pc:docChgLst>
+</pc:chgInfo>
 </file>
 
 <file path=ppt/slideLayouts/slideLayout1.xml><?xml version="1.0" encoding="utf-8"?>
@@ -299,7 +499,7 @@
           <a:p>
             <a:fld id="{4AAD347D-5ACD-4C99-B74B-A9C85AD731AF}" type="datetimeFigureOut">
               <a:rPr lang="en-US" dirty="0"/>
-              <a:t>8/14/23</a:t>
+              <a:t>8/14/2023</a:t>
             </a:fld>
             <a:endParaRPr lang="en-US" dirty="0"/>
           </a:p>
@@ -569,7 +769,7 @@
           <a:p>
             <a:fld id="{4509A250-FF31-4206-8172-F9D3106AACB1}" type="datetimeFigureOut">
               <a:rPr lang="en-US" dirty="0"/>
-              <a:t>8/14/23</a:t>
+              <a:t>8/14/2023</a:t>
             </a:fld>
             <a:endParaRPr lang="en-US" dirty="0"/>
           </a:p>
@@ -758,7 +958,7 @@
           <a:p>
             <a:fld id="{4509A250-FF31-4206-8172-F9D3106AACB1}" type="datetimeFigureOut">
               <a:rPr lang="en-US" dirty="0"/>
-              <a:t>8/14/23</a:t>
+              <a:t>8/14/2023</a:t>
             </a:fld>
             <a:endParaRPr lang="en-US" dirty="0"/>
           </a:p>
@@ -1026,7 +1226,7 @@
           <a:p>
             <a:fld id="{4509A250-FF31-4206-8172-F9D3106AACB1}" type="datetimeFigureOut">
               <a:rPr lang="en-US" dirty="0"/>
-              <a:t>8/14/23</a:t>
+              <a:t>8/14/2023</a:t>
             </a:fld>
             <a:endParaRPr lang="en-US" dirty="0"/>
           </a:p>
@@ -1362,7 +1562,7 @@
           <a:p>
             <a:fld id="{4509A250-FF31-4206-8172-F9D3106AACB1}" type="datetimeFigureOut">
               <a:rPr lang="en-US" dirty="0"/>
-              <a:t>8/14/23</a:t>
+              <a:t>8/14/2023</a:t>
             </a:fld>
             <a:endParaRPr lang="en-US" dirty="0"/>
           </a:p>
@@ -1980,7 +2180,7 @@
           <a:p>
             <a:fld id="{4509A250-FF31-4206-8172-F9D3106AACB1}" type="datetimeFigureOut">
               <a:rPr lang="en-US" dirty="0"/>
-              <a:t>8/14/23</a:t>
+              <a:t>8/14/2023</a:t>
             </a:fld>
             <a:endParaRPr lang="en-US" dirty="0"/>
           </a:p>
@@ -2835,7 +3035,7 @@
           <a:p>
             <a:fld id="{4509A250-FF31-4206-8172-F9D3106AACB1}" type="datetimeFigureOut">
               <a:rPr lang="en-US" dirty="0"/>
-              <a:t>8/14/23</a:t>
+              <a:t>8/14/2023</a:t>
             </a:fld>
             <a:endParaRPr lang="en-US" dirty="0"/>
           </a:p>
@@ -3000,7 +3200,7 @@
           <a:p>
             <a:fld id="{4509A250-FF31-4206-8172-F9D3106AACB1}" type="datetimeFigureOut">
               <a:rPr lang="en-US" dirty="0"/>
-              <a:t>8/14/23</a:t>
+              <a:t>8/14/2023</a:t>
             </a:fld>
             <a:endParaRPr lang="en-US" dirty="0"/>
           </a:p>
@@ -3175,7 +3375,7 @@
           <a:p>
             <a:fld id="{4509A250-FF31-4206-8172-F9D3106AACB1}" type="datetimeFigureOut">
               <a:rPr lang="en-US" dirty="0"/>
-              <a:t>8/14/23</a:t>
+              <a:t>8/14/2023</a:t>
             </a:fld>
             <a:endParaRPr lang="en-US" dirty="0"/>
           </a:p>
@@ -3340,7 +3540,7 @@
           <a:p>
             <a:fld id="{4509A250-FF31-4206-8172-F9D3106AACB1}" type="datetimeFigureOut">
               <a:rPr lang="en-US" dirty="0"/>
-              <a:t>8/14/23</a:t>
+              <a:t>8/14/2023</a:t>
             </a:fld>
             <a:endParaRPr lang="en-US" dirty="0"/>
           </a:p>
@@ -3582,7 +3782,7 @@
           <a:p>
             <a:fld id="{9796027F-7875-4030-9381-8BD8C4F21935}" type="datetimeFigureOut">
               <a:rPr lang="en-US" dirty="0"/>
-              <a:t>8/14/23</a:t>
+              <a:t>8/14/2023</a:t>
             </a:fld>
             <a:endParaRPr lang="en-US" dirty="0"/>
           </a:p>
@@ -3869,7 +4069,7 @@
           <a:p>
             <a:fld id="{9796027F-7875-4030-9381-8BD8C4F21935}" type="datetimeFigureOut">
               <a:rPr lang="en-US" dirty="0"/>
-              <a:t>8/14/23</a:t>
+              <a:t>8/14/2023</a:t>
             </a:fld>
             <a:endParaRPr lang="en-US" dirty="0"/>
           </a:p>
@@ -4308,7 +4508,7 @@
           <a:p>
             <a:fld id="{9796027F-7875-4030-9381-8BD8C4F21935}" type="datetimeFigureOut">
               <a:rPr lang="en-US" dirty="0"/>
-              <a:t>8/14/23</a:t>
+              <a:t>8/14/2023</a:t>
             </a:fld>
             <a:endParaRPr lang="en-US" dirty="0"/>
           </a:p>
@@ -4421,7 +4621,7 @@
           <a:p>
             <a:fld id="{4509A250-FF31-4206-8172-F9D3106AACB1}" type="datetimeFigureOut">
               <a:rPr lang="en-US" dirty="0"/>
-              <a:t>8/14/23</a:t>
+              <a:t>8/14/2023</a:t>
             </a:fld>
             <a:endParaRPr lang="en-US" dirty="0"/>
           </a:p>
@@ -4511,7 +4711,7 @@
           <a:p>
             <a:fld id="{4509A250-FF31-4206-8172-F9D3106AACB1}" type="datetimeFigureOut">
               <a:rPr lang="en-US" dirty="0"/>
-              <a:t>8/14/23</a:t>
+              <a:t>8/14/2023</a:t>
             </a:fld>
             <a:endParaRPr lang="en-US" dirty="0"/>
           </a:p>
@@ -4785,7 +4985,7 @@
           <a:p>
             <a:fld id="{4509A250-FF31-4206-8172-F9D3106AACB1}" type="datetimeFigureOut">
               <a:rPr lang="en-US" dirty="0"/>
-              <a:t>8/14/23</a:t>
+              <a:t>8/14/2023</a:t>
             </a:fld>
             <a:endParaRPr lang="en-US" dirty="0"/>
           </a:p>
@@ -5055,7 +5255,7 @@
           <a:p>
             <a:fld id="{4509A250-FF31-4206-8172-F9D3106AACB1}" type="datetimeFigureOut">
               <a:rPr lang="en-US" dirty="0"/>
-              <a:t>8/14/23</a:t>
+              <a:t>8/14/2023</a:t>
             </a:fld>
             <a:endParaRPr lang="en-US" dirty="0"/>
           </a:p>
@@ -5479,7 +5679,7 @@
           <a:p>
             <a:fld id="{4AAD347D-5ACD-4C99-B74B-A9C85AD731AF}" type="datetimeFigureOut">
               <a:rPr lang="en-US" dirty="0"/>
-              <a:t>8/14/23</a:t>
+              <a:t>8/14/2023</a:t>
             </a:fld>
             <a:endParaRPr lang="en-US" dirty="0"/>
           </a:p>
@@ -6478,62 +6678,153 @@
             <p:ph type="title"/>
           </p:nvPr>
         </p:nvSpPr>
-        <p:spPr/>
+        <p:spPr>
+          <a:xfrm>
+            <a:off x="646111" y="452718"/>
+            <a:ext cx="9404723" cy="554447"/>
+          </a:xfrm>
+        </p:spPr>
         <p:txBody>
           <a:bodyPr/>
           <a:lstStyle/>
           <a:p>
-            <a:endParaRPr lang="en-US"/>
-          </a:p>
-        </p:txBody>
-      </p:sp>
-      <p:sp>
-        <p:nvSpPr>
-          <p:cNvPr id="3" name="Content Placeholder 2">
+            <a:r>
+              <a:rPr lang="en-US" sz="2800" dirty="0"/>
+              <a:t>Why did prices increase?</a:t>
+            </a:r>
+          </a:p>
+        </p:txBody>
+      </p:sp>
+      <p:pic>
+        <p:nvPicPr>
+          <p:cNvPr id="1026" name="Picture 2">
             <a:extLst>
               <a:ext uri="{FF2B5EF4-FFF2-40B4-BE49-F238E27FC236}">
-                <a16:creationId xmlns:a16="http://schemas.microsoft.com/office/drawing/2014/main" id="{ADC1469D-31D3-1AC6-B0E4-FD50B2968F2A}"/>
+                <a16:creationId xmlns:a16="http://schemas.microsoft.com/office/drawing/2014/main" id="{6750A10C-16D8-D254-EF93-A2C989EC9CF7}"/>
               </a:ext>
             </a:extLst>
           </p:cNvPr>
-          <p:cNvSpPr>
-            <a:spLocks noGrp="1"/>
-          </p:cNvSpPr>
+          <p:cNvPicPr>
+            <a:picLocks noGrp="1" noChangeAspect="1" noChangeArrowheads="1"/>
+          </p:cNvPicPr>
           <p:nvPr>
             <p:ph sz="half" idx="1"/>
           </p:nvPr>
-        </p:nvSpPr>
-        <p:spPr/>
-        <p:txBody>
-          <a:bodyPr/>
-          <a:lstStyle/>
-          <a:p>
-            <a:endParaRPr lang="en-US"/>
-          </a:p>
-        </p:txBody>
-      </p:sp>
-      <p:sp>
-        <p:nvSpPr>
-          <p:cNvPr id="4" name="Content Placeholder 3">
+        </p:nvPicPr>
+        <p:blipFill>
+          <a:blip r:embed="rId2">
+            <a:extLst>
+              <a:ext uri="{28A0092B-C50C-407E-A947-70E740481C1C}">
+                <a14:useLocalDpi xmlns:a14="http://schemas.microsoft.com/office/drawing/2010/main" val="0"/>
+              </a:ext>
+            </a:extLst>
+          </a:blip>
+          <a:srcRect/>
+          <a:stretch>
+            <a:fillRect/>
+          </a:stretch>
+        </p:blipFill>
+        <p:spPr bwMode="auto">
+          <a:xfrm>
+            <a:off x="6096000" y="1396378"/>
+            <a:ext cx="5727794" cy="3190649"/>
+          </a:xfrm>
+          <a:prstGeom prst="rect">
+            <a:avLst/>
+          </a:prstGeom>
+          <a:noFill/>
+          <a:extLst>
+            <a:ext uri="{909E8E84-426E-40DD-AFC4-6F175D3DCCD1}">
+              <a14:hiddenFill xmlns:a14="http://schemas.microsoft.com/office/drawing/2010/main">
+                <a:solidFill>
+                  <a:srgbClr val="FFFFFF"/>
+                </a:solidFill>
+              </a14:hiddenFill>
+            </a:ext>
+          </a:extLst>
+        </p:spPr>
+      </p:pic>
+      <p:pic>
+        <p:nvPicPr>
+          <p:cNvPr id="1030" name="Picture 6">
             <a:extLst>
               <a:ext uri="{FF2B5EF4-FFF2-40B4-BE49-F238E27FC236}">
-                <a16:creationId xmlns:a16="http://schemas.microsoft.com/office/drawing/2014/main" id="{253F2DC8-12DC-67C4-F561-4F52F060D236}"/>
+                <a16:creationId xmlns:a16="http://schemas.microsoft.com/office/drawing/2014/main" id="{69EA21AA-22C7-201F-F74C-CEDBAC88F117}"/>
               </a:ext>
             </a:extLst>
           </p:cNvPr>
-          <p:cNvSpPr>
-            <a:spLocks noGrp="1"/>
-          </p:cNvSpPr>
+          <p:cNvPicPr>
+            <a:picLocks noGrp="1" noChangeAspect="1" noChangeArrowheads="1"/>
+          </p:cNvPicPr>
           <p:nvPr>
             <p:ph sz="half" idx="2"/>
           </p:nvPr>
-        </p:nvSpPr>
-        <p:spPr/>
-        <p:txBody>
-          <a:bodyPr/>
-          <a:lstStyle/>
-          <a:p>
-            <a:endParaRPr lang="en-US"/>
+        </p:nvPicPr>
+        <p:blipFill>
+          <a:blip r:embed="rId3">
+            <a:extLst>
+              <a:ext uri="{28A0092B-C50C-407E-A947-70E740481C1C}">
+                <a14:useLocalDpi xmlns:a14="http://schemas.microsoft.com/office/drawing/2010/main" val="0"/>
+              </a:ext>
+            </a:extLst>
+          </a:blip>
+          <a:srcRect/>
+          <a:stretch>
+            <a:fillRect/>
+          </a:stretch>
+        </p:blipFill>
+        <p:spPr bwMode="auto">
+          <a:xfrm>
+            <a:off x="135123" y="1396379"/>
+            <a:ext cx="5727795" cy="3190650"/>
+          </a:xfrm>
+          <a:prstGeom prst="rect">
+            <a:avLst/>
+          </a:prstGeom>
+          <a:noFill/>
+          <a:extLst>
+            <a:ext uri="{909E8E84-426E-40DD-AFC4-6F175D3DCCD1}">
+              <a14:hiddenFill xmlns:a14="http://schemas.microsoft.com/office/drawing/2010/main">
+                <a:solidFill>
+                  <a:srgbClr val="FFFFFF"/>
+                </a:solidFill>
+              </a14:hiddenFill>
+            </a:ext>
+          </a:extLst>
+        </p:spPr>
+      </p:pic>
+      <p:sp>
+        <p:nvSpPr>
+          <p:cNvPr id="5" name="TextBox 4">
+            <a:extLst>
+              <a:ext uri="{FF2B5EF4-FFF2-40B4-BE49-F238E27FC236}">
+                <a16:creationId xmlns:a16="http://schemas.microsoft.com/office/drawing/2014/main" id="{FB872B7C-540B-C42F-1853-04442CB07E46}"/>
+              </a:ext>
+            </a:extLst>
+          </p:cNvPr>
+          <p:cNvSpPr txBox="1"/>
+          <p:nvPr/>
+        </p:nvSpPr>
+        <p:spPr>
+          <a:xfrm>
+            <a:off x="2984857" y="5138455"/>
+            <a:ext cx="6527086" cy="646331"/>
+          </a:xfrm>
+          <a:prstGeom prst="rect">
+            <a:avLst/>
+          </a:prstGeom>
+          <a:noFill/>
+        </p:spPr>
+        <p:txBody>
+          <a:bodyPr wrap="square" rtlCol="0">
+            <a:spAutoFit/>
+          </a:bodyPr>
+          <a:lstStyle/>
+          <a:p>
+            <a:r>
+              <a:rPr lang="en-US" dirty="0"/>
+              <a:t>I was able to find a -0.82 correlation between the producer price and the Inventory.</a:t>
+            </a:r>
           </a:p>
         </p:txBody>
       </p:sp>
@@ -6588,60 +6879,111 @@
           <a:bodyPr/>
           <a:lstStyle/>
           <a:p>
-            <a:endParaRPr lang="en-US"/>
-          </a:p>
-        </p:txBody>
-      </p:sp>
-      <p:sp>
-        <p:nvSpPr>
-          <p:cNvPr id="3" name="Content Placeholder 2">
+            <a:r>
+              <a:rPr lang="en-US" dirty="0"/>
+              <a:t>Less cars being made?</a:t>
+            </a:r>
+          </a:p>
+        </p:txBody>
+      </p:sp>
+      <p:pic>
+        <p:nvPicPr>
+          <p:cNvPr id="2050" name="Picture 2">
             <a:extLst>
               <a:ext uri="{FF2B5EF4-FFF2-40B4-BE49-F238E27FC236}">
-                <a16:creationId xmlns:a16="http://schemas.microsoft.com/office/drawing/2014/main" id="{BE15B013-F9D8-BA5C-D901-0ABF48DCDB66}"/>
+                <a16:creationId xmlns:a16="http://schemas.microsoft.com/office/drawing/2014/main" id="{16481755-3753-8D1F-CEE1-09F62B87E41A}"/>
               </a:ext>
             </a:extLst>
           </p:cNvPr>
-          <p:cNvSpPr>
-            <a:spLocks noGrp="1"/>
-          </p:cNvSpPr>
+          <p:cNvPicPr>
+            <a:picLocks noGrp="1" noChangeAspect="1" noChangeArrowheads="1"/>
+          </p:cNvPicPr>
           <p:nvPr>
             <p:ph sz="half" idx="1"/>
           </p:nvPr>
-        </p:nvSpPr>
-        <p:spPr/>
-        <p:txBody>
-          <a:bodyPr/>
-          <a:lstStyle/>
-          <a:p>
-            <a:endParaRPr lang="en-US"/>
-          </a:p>
-        </p:txBody>
-      </p:sp>
-      <p:sp>
-        <p:nvSpPr>
-          <p:cNvPr id="4" name="Content Placeholder 3">
+        </p:nvPicPr>
+        <p:blipFill>
+          <a:blip r:embed="rId2">
+            <a:extLst>
+              <a:ext uri="{28A0092B-C50C-407E-A947-70E740481C1C}">
+                <a14:useLocalDpi xmlns:a14="http://schemas.microsoft.com/office/drawing/2010/main" val="0"/>
+              </a:ext>
+            </a:extLst>
+          </a:blip>
+          <a:srcRect/>
+          <a:stretch>
+            <a:fillRect/>
+          </a:stretch>
+        </p:blipFill>
+        <p:spPr bwMode="auto">
+          <a:xfrm>
+            <a:off x="59726" y="2111697"/>
+            <a:ext cx="5872199" cy="3271090"/>
+          </a:xfrm>
+          <a:prstGeom prst="rect">
+            <a:avLst/>
+          </a:prstGeom>
+          <a:noFill/>
+          <a:extLst>
+            <a:ext uri="{909E8E84-426E-40DD-AFC4-6F175D3DCCD1}">
+              <a14:hiddenFill xmlns:a14="http://schemas.microsoft.com/office/drawing/2010/main">
+                <a:solidFill>
+                  <a:srgbClr val="FFFFFF"/>
+                </a:solidFill>
+              </a14:hiddenFill>
+            </a:ext>
+          </a:extLst>
+        </p:spPr>
+      </p:pic>
+      <p:pic>
+        <p:nvPicPr>
+          <p:cNvPr id="2054" name="Picture 6">
             <a:extLst>
               <a:ext uri="{FF2B5EF4-FFF2-40B4-BE49-F238E27FC236}">
-                <a16:creationId xmlns:a16="http://schemas.microsoft.com/office/drawing/2014/main" id="{C0102E5A-F1DA-980C-A3B8-54348FD23F3B}"/>
+                <a16:creationId xmlns:a16="http://schemas.microsoft.com/office/drawing/2014/main" id="{5B9385A6-C752-1E3D-BFDA-843215FD24FA}"/>
               </a:ext>
             </a:extLst>
           </p:cNvPr>
-          <p:cNvSpPr>
-            <a:spLocks noGrp="1"/>
-          </p:cNvSpPr>
+          <p:cNvPicPr>
+            <a:picLocks noGrp="1" noChangeAspect="1" noChangeArrowheads="1"/>
+          </p:cNvPicPr>
           <p:nvPr>
             <p:ph sz="half" idx="2"/>
           </p:nvPr>
-        </p:nvSpPr>
-        <p:spPr/>
-        <p:txBody>
-          <a:bodyPr/>
-          <a:lstStyle/>
-          <a:p>
-            <a:endParaRPr lang="en-US"/>
-          </a:p>
-        </p:txBody>
-      </p:sp>
+        </p:nvPicPr>
+        <p:blipFill>
+          <a:blip r:embed="rId3">
+            <a:extLst>
+              <a:ext uri="{28A0092B-C50C-407E-A947-70E740481C1C}">
+                <a14:useLocalDpi xmlns:a14="http://schemas.microsoft.com/office/drawing/2010/main" val="0"/>
+              </a:ext>
+            </a:extLst>
+          </a:blip>
+          <a:srcRect/>
+          <a:stretch>
+            <a:fillRect/>
+          </a:stretch>
+        </p:blipFill>
+        <p:spPr bwMode="auto">
+          <a:xfrm>
+            <a:off x="5990851" y="2111697"/>
+            <a:ext cx="5936690" cy="3271090"/>
+          </a:xfrm>
+          <a:prstGeom prst="rect">
+            <a:avLst/>
+          </a:prstGeom>
+          <a:noFill/>
+          <a:extLst>
+            <a:ext uri="{909E8E84-426E-40DD-AFC4-6F175D3DCCD1}">
+              <a14:hiddenFill xmlns:a14="http://schemas.microsoft.com/office/drawing/2010/main">
+                <a:solidFill>
+                  <a:srgbClr val="FFFFFF"/>
+                </a:solidFill>
+              </a14:hiddenFill>
+            </a:ext>
+          </a:extLst>
+        </p:spPr>
+      </p:pic>
     </p:spTree>
     <p:extLst>
       <p:ext uri="{BB962C8B-B14F-4D97-AF65-F5344CB8AC3E}">
@@ -6693,60 +7035,63 @@
           <a:bodyPr/>
           <a:lstStyle/>
           <a:p>
-            <a:endParaRPr lang="en-US"/>
-          </a:p>
-        </p:txBody>
-      </p:sp>
-      <p:sp>
-        <p:nvSpPr>
-          <p:cNvPr id="3" name="Content Placeholder 2">
+            <a:r>
+              <a:rPr lang="en-US" sz="4400" dirty="0"/>
+              <a:t>Why did prices increase?</a:t>
+            </a:r>
+            <a:endParaRPr lang="en-US" dirty="0"/>
+          </a:p>
+        </p:txBody>
+      </p:sp>
+      <p:pic>
+        <p:nvPicPr>
+          <p:cNvPr id="3074" name="Picture 2">
             <a:extLst>
               <a:ext uri="{FF2B5EF4-FFF2-40B4-BE49-F238E27FC236}">
-                <a16:creationId xmlns:a16="http://schemas.microsoft.com/office/drawing/2014/main" id="{28729300-B143-56CB-CC05-68AFCA2670BF}"/>
+                <a16:creationId xmlns:a16="http://schemas.microsoft.com/office/drawing/2014/main" id="{8E863C53-4FD2-1B7A-166B-974A2C91F47A}"/>
               </a:ext>
             </a:extLst>
           </p:cNvPr>
-          <p:cNvSpPr>
-            <a:spLocks noGrp="1"/>
-          </p:cNvSpPr>
+          <p:cNvPicPr>
+            <a:picLocks noGrp="1" noChangeAspect="1" noChangeArrowheads="1"/>
+          </p:cNvPicPr>
           <p:nvPr>
             <p:ph sz="half" idx="1"/>
           </p:nvPr>
-        </p:nvSpPr>
-        <p:spPr/>
-        <p:txBody>
-          <a:bodyPr/>
-          <a:lstStyle/>
-          <a:p>
-            <a:endParaRPr lang="en-US"/>
-          </a:p>
-        </p:txBody>
-      </p:sp>
-      <p:sp>
-        <p:nvSpPr>
-          <p:cNvPr id="4" name="Content Placeholder 3">
+        </p:nvPicPr>
+        <p:blipFill>
+          <a:blip r:embed="rId2">
             <a:extLst>
-              <a:ext uri="{FF2B5EF4-FFF2-40B4-BE49-F238E27FC236}">
-                <a16:creationId xmlns:a16="http://schemas.microsoft.com/office/drawing/2014/main" id="{DCD03F65-CD8E-41DF-561B-AEEE437C6BFB}"/>
+              <a:ext uri="{28A0092B-C50C-407E-A947-70E740481C1C}">
+                <a14:useLocalDpi xmlns:a14="http://schemas.microsoft.com/office/drawing/2010/main" val="0"/>
               </a:ext>
             </a:extLst>
-          </p:cNvPr>
-          <p:cNvSpPr>
-            <a:spLocks noGrp="1"/>
-          </p:cNvSpPr>
-          <p:nvPr>
-            <p:ph sz="half" idx="2"/>
-          </p:nvPr>
-        </p:nvSpPr>
-        <p:spPr/>
-        <p:txBody>
-          <a:bodyPr/>
-          <a:lstStyle/>
-          <a:p>
-            <a:endParaRPr lang="en-US"/>
-          </a:p>
-        </p:txBody>
-      </p:sp>
+          </a:blip>
+          <a:srcRect/>
+          <a:stretch>
+            <a:fillRect/>
+          </a:stretch>
+        </p:blipFill>
+        <p:spPr bwMode="auto">
+          <a:xfrm>
+            <a:off x="1645350" y="1446842"/>
+            <a:ext cx="8901299" cy="4958440"/>
+          </a:xfrm>
+          <a:prstGeom prst="rect">
+            <a:avLst/>
+          </a:prstGeom>
+          <a:noFill/>
+          <a:extLst>
+            <a:ext uri="{909E8E84-426E-40DD-AFC4-6F175D3DCCD1}">
+              <a14:hiddenFill xmlns:a14="http://schemas.microsoft.com/office/drawing/2010/main">
+                <a:solidFill>
+                  <a:srgbClr val="FFFFFF"/>
+                </a:solidFill>
+              </a14:hiddenFill>
+            </a:ext>
+          </a:extLst>
+        </p:spPr>
+      </p:pic>
     </p:spTree>
     <p:extLst>
       <p:ext uri="{BB962C8B-B14F-4D97-AF65-F5344CB8AC3E}">
